--- a/Sprint_2_PRE .pptx
+++ b/Sprint_2_PRE .pptx
@@ -10869,8 +10869,8 @@
         </p:nvSpPr>
         <p:spPr>
           <a:xfrm>
-            <a:off x="636905" y="1091565"/>
-            <a:ext cx="8353425" cy="5146040"/>
+            <a:off x="636905" y="975360"/>
+            <a:ext cx="8353425" cy="5380990"/>
           </a:xfrm>
           <a:prstGeom prst="rect">
             <a:avLst/>
@@ -11037,7 +11037,7 @@
             <a:endParaRPr lang="en-US" sz="2400" dirty="0"/>
           </a:p>
           <a:p>
-            <a:pPr marL="0" lvl="0" indent="0">
+            <a:pPr lvl="0" indent="-457200">
               <a:lnSpc>
                 <a:spcPct val="150000"/>
               </a:lnSpc>
@@ -11049,8 +11049,12 @@
               </a:buClr>
               <a:buSzPts val="3200"/>
               <a:buFont typeface="Arial" panose="020B0604020202090204" pitchFamily="34" charset="0"/>
-              <a:buNone/>
+              <a:buChar char="•"/>
             </a:pPr>
+            <a:r>
+              <a:rPr lang="en-US" sz="2400" dirty="0"/>
+              <a:t>ActivityResultContracts.GetContent</a:t>
+            </a:r>
             <a:endParaRPr lang="en-US" sz="2400" dirty="0"/>
           </a:p>
           <a:p>

--- a/Sprint_2_PRE .pptx
+++ b/Sprint_2_PRE .pptx
@@ -10869,7 +10869,7 @@
         </p:nvSpPr>
         <p:spPr>
           <a:xfrm>
-            <a:off x="636905" y="975360"/>
+            <a:off x="636905" y="851535"/>
             <a:ext cx="8353425" cy="5380990"/>
           </a:xfrm>
           <a:prstGeom prst="rect">
@@ -11054,6 +11054,27 @@
             <a:r>
               <a:rPr lang="en-US" sz="2400" dirty="0"/>
               <a:t>ActivityResultContracts.GetContent</a:t>
+            </a:r>
+            <a:endParaRPr lang="en-US" sz="2400" dirty="0"/>
+          </a:p>
+          <a:p>
+            <a:pPr lvl="0" indent="-457200">
+              <a:lnSpc>
+                <a:spcPct val="150000"/>
+              </a:lnSpc>
+              <a:spcBef>
+                <a:spcPts val="640"/>
+              </a:spcBef>
+              <a:buClr>
+                <a:schemeClr val="lt1"/>
+              </a:buClr>
+              <a:buSzPts val="3200"/>
+              <a:buFont typeface="Arial" panose="020B0604020202090204" pitchFamily="34" charset="0"/>
+              <a:buChar char="•"/>
+            </a:pPr>
+            <a:r>
+              <a:rPr lang="en-US" sz="2400" dirty="0"/>
+              <a:t>Google Sign-In</a:t>
             </a:r>
             <a:endParaRPr lang="en-US" sz="2400" dirty="0"/>
           </a:p>

--- a/Sprint_2_PRE .pptx
+++ b/Sprint_2_PRE .pptx
@@ -5,29 +5,29 @@
     <p:sldMasterId id="2147483648" r:id="rId1"/>
   </p:sldMasterIdLst>
   <p:notesMasterIdLst>
-    <p:notesMasterId r:id="rId4"/>
+    <p:notesMasterId r:id="rId11"/>
   </p:notesMasterIdLst>
   <p:sldIdLst>
-    <p:sldId id="256" r:id="rId3"/>
-    <p:sldId id="257" r:id="rId5"/>
-    <p:sldId id="275" r:id="rId6"/>
-    <p:sldId id="286" r:id="rId7"/>
-    <p:sldId id="274" r:id="rId8"/>
-    <p:sldId id="258" r:id="rId9"/>
-    <p:sldId id="290" r:id="rId10"/>
-    <p:sldId id="292" r:id="rId11"/>
-    <p:sldId id="273" r:id="rId12"/>
+    <p:sldId id="256" r:id="rId2"/>
+    <p:sldId id="257" r:id="rId3"/>
+    <p:sldId id="290" r:id="rId4"/>
+    <p:sldId id="275" r:id="rId5"/>
+    <p:sldId id="286" r:id="rId6"/>
+    <p:sldId id="274" r:id="rId7"/>
+    <p:sldId id="258" r:id="rId8"/>
+    <p:sldId id="292" r:id="rId9"/>
+    <p:sldId id="273" r:id="rId10"/>
   </p:sldIdLst>
   <p:sldSz cx="9144000" cy="6858000" type="screen4x3"/>
   <p:notesSz cx="6858000" cy="9144000"/>
   <p:embeddedFontLst>
     <p:embeddedFont>
-      <p:font typeface="Montserrat"/>
-      <p:regular r:id="rId16"/>
+      <p:font typeface="Lato" panose="020F0502020204030203" pitchFamily="34" charset="0"/>
+      <p:regular r:id="rId12"/>
     </p:embeddedFont>
     <p:embeddedFont>
-      <p:font typeface="Lato"/>
-      <p:regular r:id="rId17"/>
+      <p:font typeface="Montserrat" panose="00000500000000000000" pitchFamily="2" charset="0"/>
+      <p:regular r:id="rId13"/>
     </p:embeddedFont>
   </p:embeddedFontLst>
   <p:defaultTextStyle>
@@ -479,7 +479,9 @@
               <a:defRPr sz="1100"/>
             </a:lvl9pPr>
           </a:lstStyle>
-          <a:p/>
+          <a:p>
+            <a:endParaRPr/>
+          </a:p>
         </p:txBody>
       </p:sp>
     </p:spTree>
@@ -718,7 +720,7 @@
 </file>
 
 <file path=ppt/notesSlides/notesSlide1.xml><?xml version="1.0" encoding="utf-8"?>
-<p:notes xmlns:a="http://schemas.openxmlformats.org/drawingml/2006/main" xmlns:r="http://schemas.openxmlformats.org/officeDocument/2006/relationships" xmlns:p="http://schemas.openxmlformats.org/presentationml/2006/main" showMasterPhAnim="0" showMasterSp="0">
+<p:notes xmlns:a="http://schemas.openxmlformats.org/drawingml/2006/main" xmlns:r="http://schemas.openxmlformats.org/officeDocument/2006/relationships" xmlns:p="http://schemas.openxmlformats.org/presentationml/2006/main" showMasterSp="0" showMasterPhAnim="0">
   <p:cSld>
     <p:spTree>
       <p:nvGrpSpPr>
@@ -768,6 +770,7 @@
               </a:spcAft>
               <a:buNone/>
             </a:pPr>
+            <a:endParaRPr/>
           </a:p>
         </p:txBody>
       </p:sp>
@@ -821,7 +824,7 @@
 </file>
 
 <file path=ppt/notesSlides/notesSlide2.xml><?xml version="1.0" encoding="utf-8"?>
-<p:notes xmlns:a="http://schemas.openxmlformats.org/drawingml/2006/main" xmlns:r="http://schemas.openxmlformats.org/officeDocument/2006/relationships" xmlns:p="http://schemas.openxmlformats.org/presentationml/2006/main" showMasterPhAnim="0" showMasterSp="0">
+<p:notes xmlns:a="http://schemas.openxmlformats.org/drawingml/2006/main" xmlns:r="http://schemas.openxmlformats.org/officeDocument/2006/relationships" xmlns:p="http://schemas.openxmlformats.org/presentationml/2006/main" showMasterSp="0" showMasterPhAnim="0">
   <p:cSld>
     <p:spTree>
       <p:nvGrpSpPr>
@@ -871,6 +874,7 @@
               </a:spcAft>
               <a:buNone/>
             </a:pPr>
+            <a:endParaRPr/>
           </a:p>
         </p:txBody>
       </p:sp>
@@ -886,8 +890,8 @@
         </p:nvSpPr>
         <p:spPr>
           <a:xfrm>
-            <a:off x="1143225" y="685800"/>
-            <a:ext cx="4572225" cy="3429000"/>
+            <a:off x="1143000" y="685800"/>
+            <a:ext cx="4572000" cy="3429000"/>
           </a:xfrm>
           <a:custGeom>
             <a:avLst/>
@@ -924,7 +928,7 @@
 </file>
 
 <file path=ppt/notesSlides/notesSlide3.xml><?xml version="1.0" encoding="utf-8"?>
-<p:notes xmlns:a="http://schemas.openxmlformats.org/drawingml/2006/main" xmlns:r="http://schemas.openxmlformats.org/officeDocument/2006/relationships" xmlns:p="http://schemas.openxmlformats.org/presentationml/2006/main" showMasterPhAnim="0" showMasterSp="0">
+<p:notes xmlns:a="http://schemas.openxmlformats.org/drawingml/2006/main" xmlns:r="http://schemas.openxmlformats.org/officeDocument/2006/relationships" xmlns:p="http://schemas.openxmlformats.org/presentationml/2006/main" showMasterSp="0" showMasterPhAnim="0">
   <p:cSld>
     <p:spTree>
       <p:nvGrpSpPr>
@@ -974,6 +978,7 @@
               </a:spcAft>
               <a:buNone/>
             </a:pPr>
+            <a:endParaRPr/>
           </a:p>
         </p:txBody>
       </p:sp>
@@ -1027,7 +1032,7 @@
 </file>
 
 <file path=ppt/notesSlides/notesSlide4.xml><?xml version="1.0" encoding="utf-8"?>
-<p:notes xmlns:a="http://schemas.openxmlformats.org/drawingml/2006/main" xmlns:r="http://schemas.openxmlformats.org/officeDocument/2006/relationships" xmlns:p="http://schemas.openxmlformats.org/presentationml/2006/main" showMasterPhAnim="0" showMasterSp="0">
+<p:notes xmlns:a="http://schemas.openxmlformats.org/drawingml/2006/main" xmlns:r="http://schemas.openxmlformats.org/officeDocument/2006/relationships" xmlns:p="http://schemas.openxmlformats.org/presentationml/2006/main" showMasterSp="0" showMasterPhAnim="0">
   <p:cSld>
     <p:spTree>
       <p:nvGrpSpPr>
@@ -1077,6 +1082,7 @@
               </a:spcAft>
               <a:buNone/>
             </a:pPr>
+            <a:endParaRPr/>
           </a:p>
         </p:txBody>
       </p:sp>
@@ -1130,7 +1136,7 @@
 </file>
 
 <file path=ppt/notesSlides/notesSlide5.xml><?xml version="1.0" encoding="utf-8"?>
-<p:notes xmlns:a="http://schemas.openxmlformats.org/drawingml/2006/main" xmlns:r="http://schemas.openxmlformats.org/officeDocument/2006/relationships" xmlns:p="http://schemas.openxmlformats.org/presentationml/2006/main" showMasterPhAnim="0" showMasterSp="0">
+<p:notes xmlns:a="http://schemas.openxmlformats.org/drawingml/2006/main" xmlns:r="http://schemas.openxmlformats.org/officeDocument/2006/relationships" xmlns:p="http://schemas.openxmlformats.org/presentationml/2006/main" showMasterSp="0" showMasterPhAnim="0">
   <p:cSld>
     <p:spTree>
       <p:nvGrpSpPr>
@@ -1180,6 +1186,7 @@
               </a:spcAft>
               <a:buNone/>
             </a:pPr>
+            <a:endParaRPr/>
           </a:p>
         </p:txBody>
       </p:sp>
@@ -1233,7 +1240,111 @@
 </file>
 
 <file path=ppt/notesSlides/notesSlide6.xml><?xml version="1.0" encoding="utf-8"?>
-<p:notes xmlns:a="http://schemas.openxmlformats.org/drawingml/2006/main" xmlns:r="http://schemas.openxmlformats.org/officeDocument/2006/relationships" xmlns:p="http://schemas.openxmlformats.org/presentationml/2006/main" showMasterPhAnim="0" showMasterSp="0">
+<p:notes xmlns:a="http://schemas.openxmlformats.org/drawingml/2006/main" xmlns:r="http://schemas.openxmlformats.org/officeDocument/2006/relationships" xmlns:p="http://schemas.openxmlformats.org/presentationml/2006/main" showMasterSp="0" showMasterPhAnim="0">
+  <p:cSld>
+    <p:spTree>
+      <p:nvGrpSpPr>
+        <p:cNvPr id="1" name="Shape 154"/>
+        <p:cNvGrpSpPr/>
+        <p:nvPr/>
+      </p:nvGrpSpPr>
+      <p:grpSpPr>
+        <a:xfrm>
+          <a:off x="0" y="0"/>
+          <a:ext cx="0" cy="0"/>
+          <a:chOff x="0" y="0"/>
+          <a:chExt cx="0" cy="0"/>
+        </a:xfrm>
+      </p:grpSpPr>
+      <p:sp>
+        <p:nvSpPr>
+          <p:cNvPr id="155" name="Google Shape;155;p4:notes"/>
+          <p:cNvSpPr txBox="1">
+            <a:spLocks noGrp="1"/>
+          </p:cNvSpPr>
+          <p:nvPr>
+            <p:ph type="body" idx="1"/>
+          </p:nvPr>
+        </p:nvSpPr>
+        <p:spPr>
+          <a:xfrm>
+            <a:off x="685800" y="4343400"/>
+            <a:ext cx="5486400" cy="4114800"/>
+          </a:xfrm>
+          <a:prstGeom prst="rect">
+            <a:avLst/>
+          </a:prstGeom>
+        </p:spPr>
+        <p:txBody>
+          <a:bodyPr spcFirstLastPara="1" wrap="square" lIns="91425" tIns="91425" rIns="91425" bIns="91425" anchor="t" anchorCtr="0">
+            <a:noAutofit/>
+          </a:bodyPr>
+          <a:lstStyle/>
+          <a:p>
+            <a:pPr marL="0" lvl="0" indent="0" algn="l" rtl="0">
+              <a:spcBef>
+                <a:spcPts val="0"/>
+              </a:spcBef>
+              <a:spcAft>
+                <a:spcPts val="0"/>
+              </a:spcAft>
+              <a:buNone/>
+            </a:pPr>
+            <a:endParaRPr/>
+          </a:p>
+        </p:txBody>
+      </p:sp>
+      <p:sp>
+        <p:nvSpPr>
+          <p:cNvPr id="156" name="Google Shape;156;p4:notes"/>
+          <p:cNvSpPr>
+            <a:spLocks noGrp="1" noRot="1" noChangeAspect="1"/>
+          </p:cNvSpPr>
+          <p:nvPr>
+            <p:ph type="sldImg" idx="2"/>
+          </p:nvPr>
+        </p:nvSpPr>
+        <p:spPr>
+          <a:xfrm>
+            <a:off x="1143000" y="685800"/>
+            <a:ext cx="4572000" cy="3429000"/>
+          </a:xfrm>
+          <a:custGeom>
+            <a:avLst/>
+            <a:gdLst/>
+            <a:ahLst/>
+            <a:cxnLst/>
+            <a:rect l="l" t="t" r="r" b="b"/>
+            <a:pathLst>
+              <a:path w="120000" h="120000" extrusionOk="0">
+                <a:moveTo>
+                  <a:pt x="0" y="0"/>
+                </a:moveTo>
+                <a:lnTo>
+                  <a:pt x="120000" y="0"/>
+                </a:lnTo>
+                <a:lnTo>
+                  <a:pt x="120000" y="120000"/>
+                </a:lnTo>
+                <a:lnTo>
+                  <a:pt x="0" y="120000"/>
+                </a:lnTo>
+                <a:close/>
+              </a:path>
+            </a:pathLst>
+          </a:custGeom>
+        </p:spPr>
+      </p:sp>
+    </p:spTree>
+  </p:cSld>
+  <p:clrMapOvr>
+    <a:masterClrMapping/>
+  </p:clrMapOvr>
+</p:notes>
+</file>
+
+<file path=ppt/notesSlides/notesSlide7.xml><?xml version="1.0" encoding="utf-8"?>
+<p:notes xmlns:a="http://schemas.openxmlformats.org/drawingml/2006/main" xmlns:r="http://schemas.openxmlformats.org/officeDocument/2006/relationships" xmlns:p="http://schemas.openxmlformats.org/presentationml/2006/main" showMasterSp="0" showMasterPhAnim="0">
   <p:cSld>
     <p:spTree>
       <p:nvGrpSpPr>
@@ -1283,6 +1394,7 @@
               </a:spcAft>
               <a:buNone/>
             </a:pPr>
+            <a:endParaRPr/>
           </a:p>
         </p:txBody>
       </p:sp>
@@ -1335,111 +1447,8 @@
 </p:notes>
 </file>
 
-<file path=ppt/notesSlides/notesSlide7.xml><?xml version="1.0" encoding="utf-8"?>
-<p:notes xmlns:a="http://schemas.openxmlformats.org/drawingml/2006/main" xmlns:r="http://schemas.openxmlformats.org/officeDocument/2006/relationships" xmlns:p="http://schemas.openxmlformats.org/presentationml/2006/main" showMasterPhAnim="0" showMasterSp="0">
-  <p:cSld>
-    <p:spTree>
-      <p:nvGrpSpPr>
-        <p:cNvPr id="1" name="Shape 154"/>
-        <p:cNvGrpSpPr/>
-        <p:nvPr/>
-      </p:nvGrpSpPr>
-      <p:grpSpPr>
-        <a:xfrm>
-          <a:off x="0" y="0"/>
-          <a:ext cx="0" cy="0"/>
-          <a:chOff x="0" y="0"/>
-          <a:chExt cx="0" cy="0"/>
-        </a:xfrm>
-      </p:grpSpPr>
-      <p:sp>
-        <p:nvSpPr>
-          <p:cNvPr id="155" name="Google Shape;155;p4:notes"/>
-          <p:cNvSpPr txBox="1">
-            <a:spLocks noGrp="1"/>
-          </p:cNvSpPr>
-          <p:nvPr>
-            <p:ph type="body" idx="1"/>
-          </p:nvPr>
-        </p:nvSpPr>
-        <p:spPr>
-          <a:xfrm>
-            <a:off x="685800" y="4343400"/>
-            <a:ext cx="5486400" cy="4114800"/>
-          </a:xfrm>
-          <a:prstGeom prst="rect">
-            <a:avLst/>
-          </a:prstGeom>
-        </p:spPr>
-        <p:txBody>
-          <a:bodyPr spcFirstLastPara="1" wrap="square" lIns="91425" tIns="91425" rIns="91425" bIns="91425" anchor="t" anchorCtr="0">
-            <a:noAutofit/>
-          </a:bodyPr>
-          <a:lstStyle/>
-          <a:p>
-            <a:pPr marL="0" lvl="0" indent="0" algn="l" rtl="0">
-              <a:spcBef>
-                <a:spcPts val="0"/>
-              </a:spcBef>
-              <a:spcAft>
-                <a:spcPts val="0"/>
-              </a:spcAft>
-              <a:buNone/>
-            </a:pPr>
-          </a:p>
-        </p:txBody>
-      </p:sp>
-      <p:sp>
-        <p:nvSpPr>
-          <p:cNvPr id="156" name="Google Shape;156;p4:notes"/>
-          <p:cNvSpPr>
-            <a:spLocks noGrp="1" noRot="1" noChangeAspect="1"/>
-          </p:cNvSpPr>
-          <p:nvPr>
-            <p:ph type="sldImg" idx="2"/>
-          </p:nvPr>
-        </p:nvSpPr>
-        <p:spPr>
-          <a:xfrm>
-            <a:off x="1143000" y="685800"/>
-            <a:ext cx="4572000" cy="3429000"/>
-          </a:xfrm>
-          <a:custGeom>
-            <a:avLst/>
-            <a:gdLst/>
-            <a:ahLst/>
-            <a:cxnLst/>
-            <a:rect l="l" t="t" r="r" b="b"/>
-            <a:pathLst>
-              <a:path w="120000" h="120000" extrusionOk="0">
-                <a:moveTo>
-                  <a:pt x="0" y="0"/>
-                </a:moveTo>
-                <a:lnTo>
-                  <a:pt x="120000" y="0"/>
-                </a:lnTo>
-                <a:lnTo>
-                  <a:pt x="120000" y="120000"/>
-                </a:lnTo>
-                <a:lnTo>
-                  <a:pt x="0" y="120000"/>
-                </a:lnTo>
-                <a:close/>
-              </a:path>
-            </a:pathLst>
-          </a:custGeom>
-        </p:spPr>
-      </p:sp>
-    </p:spTree>
-  </p:cSld>
-  <p:clrMapOvr>
-    <a:masterClrMapping/>
-  </p:clrMapOvr>
-</p:notes>
-</file>
-
 <file path=ppt/notesSlides/notesSlide8.xml><?xml version="1.0" encoding="utf-8"?>
-<p:notes xmlns:a="http://schemas.openxmlformats.org/drawingml/2006/main" xmlns:r="http://schemas.openxmlformats.org/officeDocument/2006/relationships" xmlns:p="http://schemas.openxmlformats.org/presentationml/2006/main" showMasterPhAnim="0" showMasterSp="0">
+<p:notes xmlns:a="http://schemas.openxmlformats.org/drawingml/2006/main" xmlns:r="http://schemas.openxmlformats.org/officeDocument/2006/relationships" xmlns:p="http://schemas.openxmlformats.org/presentationml/2006/main" showMasterSp="0" showMasterPhAnim="0">
   <p:cSld>
     <p:spTree>
       <p:nvGrpSpPr>
@@ -1489,6 +1498,7 @@
               </a:spcAft>
               <a:buNone/>
             </a:pPr>
+            <a:endParaRPr/>
           </a:p>
         </p:txBody>
       </p:sp>
@@ -1542,7 +1552,7 @@
 </file>
 
 <file path=ppt/notesSlides/notesSlide9.xml><?xml version="1.0" encoding="utf-8"?>
-<p:notes xmlns:a="http://schemas.openxmlformats.org/drawingml/2006/main" xmlns:r="http://schemas.openxmlformats.org/officeDocument/2006/relationships" xmlns:p="http://schemas.openxmlformats.org/presentationml/2006/main" showMasterPhAnim="0" showMasterSp="0">
+<p:notes xmlns:a="http://schemas.openxmlformats.org/drawingml/2006/main" xmlns:r="http://schemas.openxmlformats.org/officeDocument/2006/relationships" xmlns:p="http://schemas.openxmlformats.org/presentationml/2006/main" showMasterSp="0" showMasterPhAnim="0">
   <p:cSld>
     <p:spTree>
       <p:nvGrpSpPr>
@@ -1592,6 +1602,7 @@
               </a:spcAft>
               <a:buNone/>
             </a:pPr>
+            <a:endParaRPr/>
           </a:p>
         </p:txBody>
       </p:sp>
@@ -1645,7 +1656,7 @@
 </file>
 
 <file path=ppt/slideLayouts/slideLayout1.xml><?xml version="1.0" encoding="utf-8"?>
-<p:sldLayout xmlns:a="http://schemas.openxmlformats.org/drawingml/2006/main" xmlns:r="http://schemas.openxmlformats.org/officeDocument/2006/relationships" xmlns:p="http://schemas.openxmlformats.org/presentationml/2006/main" type="title" matchingName="Title slide">
+<p:sldLayout xmlns:a="http://schemas.openxmlformats.org/drawingml/2006/main" xmlns:r="http://schemas.openxmlformats.org/officeDocument/2006/relationships" xmlns:p="http://schemas.openxmlformats.org/presentationml/2006/main" matchingName="Title slide" type="title">
   <p:cSld name="TITLE">
     <p:spTree>
       <p:nvGrpSpPr>
@@ -1701,6 +1712,7 @@
               </a:spcAft>
               <a:buNone/>
             </a:pPr>
+            <a:endParaRPr/>
           </a:p>
         </p:txBody>
       </p:sp>
@@ -1758,6 +1770,7 @@
                 </a:spcAft>
                 <a:buNone/>
               </a:pPr>
+              <a:endParaRPr/>
             </a:p>
           </p:txBody>
         </p:sp>
@@ -1801,6 +1814,7 @@
                 </a:spcAft>
                 <a:buNone/>
               </a:pPr>
+              <a:endParaRPr/>
             </a:p>
           </p:txBody>
         </p:sp>
@@ -1842,6 +1856,7 @@
                 </a:spcAft>
                 <a:buNone/>
               </a:pPr>
+              <a:endParaRPr/>
             </a:p>
           </p:txBody>
         </p:sp>
@@ -1883,6 +1898,7 @@
                 </a:spcAft>
                 <a:buNone/>
               </a:pPr>
+              <a:endParaRPr/>
             </a:p>
           </p:txBody>
         </p:sp>
@@ -2011,7 +2027,9 @@
               <a:defRPr sz="4000"/>
             </a:lvl9pPr>
           </a:lstStyle>
-          <a:p/>
+          <a:p>
+            <a:endParaRPr/>
+          </a:p>
         </p:txBody>
       </p:sp>
       <p:sp>
@@ -2165,7 +2183,9 @@
               <a:defRPr sz="1300"/>
             </a:lvl9pPr>
           </a:lstStyle>
-          <a:p/>
+          <a:p>
+            <a:endParaRPr/>
+          </a:p>
         </p:txBody>
       </p:sp>
       <p:sp>
@@ -2241,6 +2261,7 @@
             </a:pPr>
             <a:fld id="{00000000-1234-1234-1234-123412341234}" type="slidenum">
               <a:rPr lang="en-US"/>
+              <a:t>‹#›</a:t>
             </a:fld>
             <a:endParaRPr lang="en-US"/>
           </a:p>
@@ -2326,6 +2347,7 @@
                 </a:spcAft>
                 <a:buNone/>
               </a:pPr>
+              <a:endParaRPr/>
             </a:p>
           </p:txBody>
         </p:sp>
@@ -2369,6 +2391,7 @@
                 </a:spcAft>
                 <a:buNone/>
               </a:pPr>
+              <a:endParaRPr/>
             </a:p>
           </p:txBody>
         </p:sp>
@@ -2412,6 +2435,7 @@
                 </a:spcAft>
                 <a:buNone/>
               </a:pPr>
+              <a:endParaRPr/>
             </a:p>
           </p:txBody>
         </p:sp>
@@ -2455,6 +2479,7 @@
                 </a:spcAft>
                 <a:buNone/>
               </a:pPr>
+              <a:endParaRPr/>
             </a:p>
           </p:txBody>
         </p:sp>
@@ -2498,6 +2523,7 @@
                 </a:spcAft>
                 <a:buNone/>
               </a:pPr>
+              <a:endParaRPr/>
             </a:p>
           </p:txBody>
         </p:sp>
@@ -2541,6 +2567,7 @@
                 </a:spcAft>
                 <a:buNone/>
               </a:pPr>
+              <a:endParaRPr/>
             </a:p>
           </p:txBody>
         </p:sp>
@@ -2584,6 +2611,7 @@
                 </a:spcAft>
                 <a:buNone/>
               </a:pPr>
+              <a:endParaRPr/>
             </a:p>
           </p:txBody>
         </p:sp>
@@ -2625,6 +2653,7 @@
                 </a:spcAft>
                 <a:buNone/>
               </a:pPr>
+              <a:endParaRPr/>
             </a:p>
           </p:txBody>
         </p:sp>
@@ -2668,6 +2697,7 @@
                 </a:spcAft>
                 <a:buNone/>
               </a:pPr>
+              <a:endParaRPr/>
             </a:p>
           </p:txBody>
         </p:sp>
@@ -2711,6 +2741,7 @@
                 </a:spcAft>
                 <a:buNone/>
               </a:pPr>
+              <a:endParaRPr/>
             </a:p>
           </p:txBody>
         </p:sp>
@@ -2754,6 +2785,7 @@
                 </a:spcAft>
                 <a:buNone/>
               </a:pPr>
+              <a:endParaRPr/>
             </a:p>
           </p:txBody>
         </p:sp>
@@ -2797,6 +2829,7 @@
                 </a:spcAft>
                 <a:buNone/>
               </a:pPr>
+              <a:endParaRPr/>
             </a:p>
           </p:txBody>
         </p:sp>
@@ -2840,6 +2873,7 @@
                 </a:spcAft>
                 <a:buNone/>
               </a:pPr>
+              <a:endParaRPr/>
             </a:p>
           </p:txBody>
         </p:sp>
@@ -2881,6 +2915,7 @@
                 </a:spcAft>
                 <a:buNone/>
               </a:pPr>
+              <a:endParaRPr/>
             </a:p>
           </p:txBody>
         </p:sp>
@@ -2924,6 +2959,7 @@
                 </a:spcAft>
                 <a:buNone/>
               </a:pPr>
+              <a:endParaRPr/>
             </a:p>
           </p:txBody>
         </p:sp>
@@ -2967,6 +3003,7 @@
                 </a:spcAft>
                 <a:buNone/>
               </a:pPr>
+              <a:endParaRPr/>
             </a:p>
           </p:txBody>
         </p:sp>
@@ -3010,6 +3047,7 @@
                 </a:spcAft>
                 <a:buNone/>
               </a:pPr>
+              <a:endParaRPr/>
             </a:p>
           </p:txBody>
         </p:sp>
@@ -3053,6 +3091,7 @@
                 </a:spcAft>
                 <a:buNone/>
               </a:pPr>
+              <a:endParaRPr/>
             </a:p>
           </p:txBody>
         </p:sp>
@@ -3312,7 +3351,9 @@
               <a:defRPr/>
             </a:lvl9pPr>
           </a:lstStyle>
-          <a:p/>
+          <a:p>
+            <a:endParaRPr/>
+          </a:p>
         </p:txBody>
       </p:sp>
       <p:sp>
@@ -3388,6 +3429,7 @@
             </a:pPr>
             <a:fld id="{00000000-1234-1234-1234-123412341234}" type="slidenum">
               <a:rPr lang="en-US"/>
+              <a:t>‹#›</a:t>
             </a:fld>
             <a:endParaRPr lang="en-US"/>
           </a:p>
@@ -3403,7 +3445,7 @@
 </file>
 
 <file path=ppt/slideLayouts/slideLayout11.xml><?xml version="1.0" encoding="utf-8"?>
-<p:sldLayout xmlns:a="http://schemas.openxmlformats.org/drawingml/2006/main" xmlns:r="http://schemas.openxmlformats.org/officeDocument/2006/relationships" xmlns:p="http://schemas.openxmlformats.org/presentationml/2006/main" type="blank" matchingName="Blank">
+<p:sldLayout xmlns:a="http://schemas.openxmlformats.org/drawingml/2006/main" xmlns:r="http://schemas.openxmlformats.org/officeDocument/2006/relationships" xmlns:p="http://schemas.openxmlformats.org/presentationml/2006/main" matchingName="Blank" type="blank">
   <p:cSld name="BLANK">
     <p:spTree>
       <p:nvGrpSpPr>
@@ -3492,6 +3534,7 @@
             </a:pPr>
             <a:fld id="{00000000-1234-1234-1234-123412341234}" type="slidenum">
               <a:rPr lang="en-US"/>
+              <a:t>‹#›</a:t>
             </a:fld>
             <a:endParaRPr lang="en-US"/>
           </a:p>
@@ -3507,7 +3550,7 @@
 </file>
 
 <file path=ppt/slideLayouts/slideLayout12.xml><?xml version="1.0" encoding="utf-8"?>
-<p:sldLayout xmlns:a="http://schemas.openxmlformats.org/drawingml/2006/main" xmlns:r="http://schemas.openxmlformats.org/officeDocument/2006/relationships" xmlns:p="http://schemas.openxmlformats.org/presentationml/2006/main" type="obj" matchingName="Title and Content">
+<p:sldLayout xmlns:a="http://schemas.openxmlformats.org/drawingml/2006/main" xmlns:r="http://schemas.openxmlformats.org/officeDocument/2006/relationships" xmlns:p="http://schemas.openxmlformats.org/presentationml/2006/main" matchingName="Title and Content" type="obj">
   <p:cSld name="OBJECT">
     <p:spTree>
       <p:nvGrpSpPr>
@@ -3654,7 +3697,9 @@
               <a:defRPr/>
             </a:lvl9pPr>
           </a:lstStyle>
-          <a:p/>
+          <a:p>
+            <a:endParaRPr/>
+          </a:p>
         </p:txBody>
       </p:sp>
       <p:sp>
@@ -3812,7 +3857,9 @@
               <a:defRPr/>
             </a:lvl9pPr>
           </a:lstStyle>
-          <a:p/>
+          <a:p>
+            <a:endParaRPr/>
+          </a:p>
         </p:txBody>
       </p:sp>
       <p:sp>
@@ -3943,7 +3990,9 @@
               <a:defRPr/>
             </a:lvl9pPr>
           </a:lstStyle>
-          <a:p/>
+          <a:p>
+            <a:endParaRPr/>
+          </a:p>
         </p:txBody>
       </p:sp>
       <p:sp>
@@ -4074,7 +4123,9 @@
               <a:defRPr/>
             </a:lvl9pPr>
           </a:lstStyle>
-          <a:p/>
+          <a:p>
+            <a:endParaRPr/>
+          </a:p>
         </p:txBody>
       </p:sp>
       <p:sp>
@@ -4181,6 +4232,7 @@
             </a:pPr>
             <a:fld id="{00000000-1234-1234-1234-123412341234}" type="slidenum">
               <a:rPr lang="en-US"/>
+              <a:t>‹#›</a:t>
             </a:fld>
             <a:endParaRPr lang="en-US"/>
           </a:p>
@@ -4196,7 +4248,7 @@
 </file>
 
 <file path=ppt/slideLayouts/slideLayout2.xml><?xml version="1.0" encoding="utf-8"?>
-<p:sldLayout xmlns:a="http://schemas.openxmlformats.org/drawingml/2006/main" xmlns:r="http://schemas.openxmlformats.org/officeDocument/2006/relationships" xmlns:p="http://schemas.openxmlformats.org/presentationml/2006/main" type="secHead" matchingName="Section header">
+<p:sldLayout xmlns:a="http://schemas.openxmlformats.org/drawingml/2006/main" xmlns:r="http://schemas.openxmlformats.org/officeDocument/2006/relationships" xmlns:p="http://schemas.openxmlformats.org/presentationml/2006/main" matchingName="Section header" type="secHead">
   <p:cSld name="SECTION_HEADER">
     <p:spTree>
       <p:nvGrpSpPr>
@@ -4266,6 +4318,7 @@
                 </a:spcAft>
                 <a:buNone/>
               </a:pPr>
+              <a:endParaRPr/>
             </a:p>
           </p:txBody>
         </p:sp>
@@ -4309,6 +4362,7 @@
                 </a:spcAft>
                 <a:buNone/>
               </a:pPr>
+              <a:endParaRPr/>
             </a:p>
           </p:txBody>
         </p:sp>
@@ -4352,6 +4406,7 @@
                 </a:spcAft>
                 <a:buNone/>
               </a:pPr>
+              <a:endParaRPr/>
             </a:p>
           </p:txBody>
         </p:sp>
@@ -4395,6 +4450,7 @@
                 </a:spcAft>
                 <a:buNone/>
               </a:pPr>
+              <a:endParaRPr/>
             </a:p>
           </p:txBody>
         </p:sp>
@@ -4438,6 +4494,7 @@
                 </a:spcAft>
                 <a:buNone/>
               </a:pPr>
+              <a:endParaRPr/>
             </a:p>
           </p:txBody>
         </p:sp>
@@ -4481,6 +4538,7 @@
                 </a:spcAft>
                 <a:buNone/>
               </a:pPr>
+              <a:endParaRPr/>
             </a:p>
           </p:txBody>
         </p:sp>
@@ -4524,6 +4582,7 @@
                 </a:spcAft>
                 <a:buNone/>
               </a:pPr>
+              <a:endParaRPr/>
             </a:p>
           </p:txBody>
         </p:sp>
@@ -4565,6 +4624,7 @@
                 </a:spcAft>
                 <a:buNone/>
               </a:pPr>
+              <a:endParaRPr/>
             </a:p>
           </p:txBody>
         </p:sp>
@@ -4608,6 +4668,7 @@
                 </a:spcAft>
                 <a:buNone/>
               </a:pPr>
+              <a:endParaRPr/>
             </a:p>
           </p:txBody>
         </p:sp>
@@ -4651,6 +4712,7 @@
                 </a:spcAft>
                 <a:buNone/>
               </a:pPr>
+              <a:endParaRPr/>
             </a:p>
           </p:txBody>
         </p:sp>
@@ -4694,6 +4756,7 @@
                 </a:spcAft>
                 <a:buNone/>
               </a:pPr>
+              <a:endParaRPr/>
             </a:p>
           </p:txBody>
         </p:sp>
@@ -4737,6 +4800,7 @@
                 </a:spcAft>
                 <a:buNone/>
               </a:pPr>
+              <a:endParaRPr/>
             </a:p>
           </p:txBody>
         </p:sp>
@@ -4780,6 +4844,7 @@
                 </a:spcAft>
                 <a:buNone/>
               </a:pPr>
+              <a:endParaRPr/>
             </a:p>
           </p:txBody>
         </p:sp>
@@ -4821,6 +4886,7 @@
                 </a:spcAft>
                 <a:buNone/>
               </a:pPr>
+              <a:endParaRPr/>
             </a:p>
           </p:txBody>
         </p:sp>
@@ -4864,6 +4930,7 @@
                 </a:spcAft>
                 <a:buNone/>
               </a:pPr>
+              <a:endParaRPr/>
             </a:p>
           </p:txBody>
         </p:sp>
@@ -4907,6 +4974,7 @@
                 </a:spcAft>
                 <a:buNone/>
               </a:pPr>
+              <a:endParaRPr/>
             </a:p>
           </p:txBody>
         </p:sp>
@@ -4950,6 +5018,7 @@
                 </a:spcAft>
                 <a:buNone/>
               </a:pPr>
+              <a:endParaRPr/>
             </a:p>
           </p:txBody>
         </p:sp>
@@ -4993,6 +5062,7 @@
                 </a:spcAft>
                 <a:buNone/>
               </a:pPr>
+              <a:endParaRPr/>
             </a:p>
           </p:txBody>
         </p:sp>
@@ -5121,7 +5191,9 @@
               <a:defRPr/>
             </a:lvl9pPr>
           </a:lstStyle>
-          <a:p/>
+          <a:p>
+            <a:endParaRPr/>
+          </a:p>
         </p:txBody>
       </p:sp>
       <p:sp>
@@ -5197,6 +5269,7 @@
             </a:pPr>
             <a:fld id="{00000000-1234-1234-1234-123412341234}" type="slidenum">
               <a:rPr lang="en-US"/>
+              <a:t>‹#›</a:t>
             </a:fld>
             <a:endParaRPr lang="en-US"/>
           </a:p>
@@ -5212,7 +5285,7 @@
 </file>
 
 <file path=ppt/slideLayouts/slideLayout3.xml><?xml version="1.0" encoding="utf-8"?>
-<p:sldLayout xmlns:a="http://schemas.openxmlformats.org/drawingml/2006/main" xmlns:r="http://schemas.openxmlformats.org/officeDocument/2006/relationships" xmlns:p="http://schemas.openxmlformats.org/presentationml/2006/main" type="tx" matchingName="Title and body">
+<p:sldLayout xmlns:a="http://schemas.openxmlformats.org/drawingml/2006/main" xmlns:r="http://schemas.openxmlformats.org/officeDocument/2006/relationships" xmlns:p="http://schemas.openxmlformats.org/presentationml/2006/main" matchingName="Title and body" type="tx">
   <p:cSld name="TITLE_AND_BODY">
     <p:spTree>
       <p:nvGrpSpPr>
@@ -5280,6 +5353,7 @@
                 </a:spcAft>
                 <a:buNone/>
               </a:pPr>
+              <a:endParaRPr/>
             </a:p>
           </p:txBody>
         </p:sp>
@@ -5321,6 +5395,7 @@
                 </a:spcAft>
                 <a:buNone/>
               </a:pPr>
+              <a:endParaRPr/>
             </a:p>
           </p:txBody>
         </p:sp>
@@ -5449,7 +5524,9 @@
               <a:defRPr sz="2400"/>
             </a:lvl9pPr>
           </a:lstStyle>
-          <a:p/>
+          <a:p>
+            <a:endParaRPr/>
+          </a:p>
         </p:txBody>
       </p:sp>
       <p:sp>
@@ -5576,7 +5653,9 @@
               <a:defRPr/>
             </a:lvl9pPr>
           </a:lstStyle>
-          <a:p/>
+          <a:p>
+            <a:endParaRPr/>
+          </a:p>
         </p:txBody>
       </p:sp>
       <p:sp>
@@ -5652,6 +5731,7 @@
             </a:pPr>
             <a:fld id="{00000000-1234-1234-1234-123412341234}" type="slidenum">
               <a:rPr lang="en-US"/>
+              <a:t>‹#›</a:t>
             </a:fld>
             <a:endParaRPr lang="en-US"/>
           </a:p>
@@ -5667,7 +5747,7 @@
 </file>
 
 <file path=ppt/slideLayouts/slideLayout4.xml><?xml version="1.0" encoding="utf-8"?>
-<p:sldLayout xmlns:a="http://schemas.openxmlformats.org/drawingml/2006/main" xmlns:r="http://schemas.openxmlformats.org/officeDocument/2006/relationships" xmlns:p="http://schemas.openxmlformats.org/presentationml/2006/main" type="twoColTx" matchingName="Title and two columns">
+<p:sldLayout xmlns:a="http://schemas.openxmlformats.org/drawingml/2006/main" xmlns:r="http://schemas.openxmlformats.org/officeDocument/2006/relationships" xmlns:p="http://schemas.openxmlformats.org/presentationml/2006/main" matchingName="Title and two columns" type="twoColTx">
   <p:cSld name="TITLE_AND_TWO_COLUMNS">
     <p:spTree>
       <p:nvGrpSpPr>
@@ -5735,6 +5815,7 @@
                 </a:spcAft>
                 <a:buNone/>
               </a:pPr>
+              <a:endParaRPr/>
             </a:p>
           </p:txBody>
         </p:sp>
@@ -5776,6 +5857,7 @@
                 </a:spcAft>
                 <a:buNone/>
               </a:pPr>
+              <a:endParaRPr/>
             </a:p>
           </p:txBody>
         </p:sp>
@@ -5904,7 +5986,9 @@
               <a:defRPr sz="2400"/>
             </a:lvl9pPr>
           </a:lstStyle>
-          <a:p/>
+          <a:p>
+            <a:endParaRPr/>
+          </a:p>
         </p:txBody>
       </p:sp>
       <p:sp>
@@ -6031,7 +6115,9 @@
               <a:defRPr/>
             </a:lvl9pPr>
           </a:lstStyle>
-          <a:p/>
+          <a:p>
+            <a:endParaRPr/>
+          </a:p>
         </p:txBody>
       </p:sp>
       <p:sp>
@@ -6158,7 +6244,9 @@
               <a:defRPr/>
             </a:lvl9pPr>
           </a:lstStyle>
-          <a:p/>
+          <a:p>
+            <a:endParaRPr/>
+          </a:p>
         </p:txBody>
       </p:sp>
       <p:sp>
@@ -6234,6 +6322,7 @@
             </a:pPr>
             <a:fld id="{00000000-1234-1234-1234-123412341234}" type="slidenum">
               <a:rPr lang="en-US"/>
+              <a:t>‹#›</a:t>
             </a:fld>
             <a:endParaRPr lang="en-US"/>
           </a:p>
@@ -6249,7 +6338,7 @@
 </file>
 
 <file path=ppt/slideLayouts/slideLayout5.xml><?xml version="1.0" encoding="utf-8"?>
-<p:sldLayout xmlns:a="http://schemas.openxmlformats.org/drawingml/2006/main" xmlns:r="http://schemas.openxmlformats.org/officeDocument/2006/relationships" xmlns:p="http://schemas.openxmlformats.org/presentationml/2006/main" type="titleOnly" matchingName="Title only">
+<p:sldLayout xmlns:a="http://schemas.openxmlformats.org/drawingml/2006/main" xmlns:r="http://schemas.openxmlformats.org/officeDocument/2006/relationships" xmlns:p="http://schemas.openxmlformats.org/presentationml/2006/main" matchingName="Title only" type="titleOnly">
   <p:cSld name="TITLE_ONLY">
     <p:spTree>
       <p:nvGrpSpPr>
@@ -6317,6 +6406,7 @@
                 </a:spcAft>
                 <a:buNone/>
               </a:pPr>
+              <a:endParaRPr/>
             </a:p>
           </p:txBody>
         </p:sp>
@@ -6358,6 +6448,7 @@
                 </a:spcAft>
                 <a:buNone/>
               </a:pPr>
+              <a:endParaRPr/>
             </a:p>
           </p:txBody>
         </p:sp>
@@ -6486,7 +6577,9 @@
               <a:defRPr sz="2400"/>
             </a:lvl9pPr>
           </a:lstStyle>
-          <a:p/>
+          <a:p>
+            <a:endParaRPr/>
+          </a:p>
         </p:txBody>
       </p:sp>
       <p:sp>
@@ -6562,6 +6655,7 @@
             </a:pPr>
             <a:fld id="{00000000-1234-1234-1234-123412341234}" type="slidenum">
               <a:rPr lang="en-US"/>
+              <a:t>‹#›</a:t>
             </a:fld>
             <a:endParaRPr lang="en-US"/>
           </a:p>
@@ -6645,6 +6739,7 @@
                 </a:spcAft>
                 <a:buNone/>
               </a:pPr>
+              <a:endParaRPr/>
             </a:p>
           </p:txBody>
         </p:sp>
@@ -6686,6 +6781,7 @@
                 </a:spcAft>
                 <a:buNone/>
               </a:pPr>
+              <a:endParaRPr/>
             </a:p>
           </p:txBody>
         </p:sp>
@@ -6814,7 +6910,9 @@
               <a:defRPr sz="2400"/>
             </a:lvl9pPr>
           </a:lstStyle>
-          <a:p/>
+          <a:p>
+            <a:endParaRPr/>
+          </a:p>
         </p:txBody>
       </p:sp>
       <p:sp>
@@ -6941,7 +7039,9 @@
               <a:defRPr/>
             </a:lvl9pPr>
           </a:lstStyle>
-          <a:p/>
+          <a:p>
+            <a:endParaRPr/>
+          </a:p>
         </p:txBody>
       </p:sp>
       <p:sp>
@@ -7017,6 +7117,7 @@
             </a:pPr>
             <a:fld id="{00000000-1234-1234-1234-123412341234}" type="slidenum">
               <a:rPr lang="en-US"/>
+              <a:t>‹#›</a:t>
             </a:fld>
             <a:endParaRPr lang="en-US"/>
           </a:p>
@@ -7102,6 +7203,7 @@
                 </a:spcAft>
                 <a:buNone/>
               </a:pPr>
+              <a:endParaRPr/>
             </a:p>
           </p:txBody>
         </p:sp>
@@ -7145,6 +7247,7 @@
                 </a:spcAft>
                 <a:buNone/>
               </a:pPr>
+              <a:endParaRPr/>
             </a:p>
           </p:txBody>
         </p:sp>
@@ -7188,6 +7291,7 @@
                 </a:spcAft>
                 <a:buNone/>
               </a:pPr>
+              <a:endParaRPr/>
             </a:p>
           </p:txBody>
         </p:sp>
@@ -7231,6 +7335,7 @@
                 </a:spcAft>
                 <a:buNone/>
               </a:pPr>
+              <a:endParaRPr/>
             </a:p>
           </p:txBody>
         </p:sp>
@@ -7274,6 +7379,7 @@
                 </a:spcAft>
                 <a:buNone/>
               </a:pPr>
+              <a:endParaRPr/>
             </a:p>
           </p:txBody>
         </p:sp>
@@ -7317,6 +7423,7 @@
                 </a:spcAft>
                 <a:buNone/>
               </a:pPr>
+              <a:endParaRPr/>
             </a:p>
           </p:txBody>
         </p:sp>
@@ -7360,6 +7467,7 @@
                 </a:spcAft>
                 <a:buNone/>
               </a:pPr>
+              <a:endParaRPr/>
             </a:p>
           </p:txBody>
         </p:sp>
@@ -7401,6 +7509,7 @@
                 </a:spcAft>
                 <a:buNone/>
               </a:pPr>
+              <a:endParaRPr/>
             </a:p>
           </p:txBody>
         </p:sp>
@@ -7444,6 +7553,7 @@
                 </a:spcAft>
                 <a:buNone/>
               </a:pPr>
+              <a:endParaRPr/>
             </a:p>
           </p:txBody>
         </p:sp>
@@ -7487,6 +7597,7 @@
                 </a:spcAft>
                 <a:buNone/>
               </a:pPr>
+              <a:endParaRPr/>
             </a:p>
           </p:txBody>
         </p:sp>
@@ -7530,6 +7641,7 @@
                 </a:spcAft>
                 <a:buNone/>
               </a:pPr>
+              <a:endParaRPr/>
             </a:p>
           </p:txBody>
         </p:sp>
@@ -7573,6 +7685,7 @@
                 </a:spcAft>
                 <a:buNone/>
               </a:pPr>
+              <a:endParaRPr/>
             </a:p>
           </p:txBody>
         </p:sp>
@@ -7616,6 +7729,7 @@
                 </a:spcAft>
                 <a:buNone/>
               </a:pPr>
+              <a:endParaRPr/>
             </a:p>
           </p:txBody>
         </p:sp>
@@ -7657,6 +7771,7 @@
                 </a:spcAft>
                 <a:buNone/>
               </a:pPr>
+              <a:endParaRPr/>
             </a:p>
           </p:txBody>
         </p:sp>
@@ -7700,6 +7815,7 @@
                 </a:spcAft>
                 <a:buNone/>
               </a:pPr>
+              <a:endParaRPr/>
             </a:p>
           </p:txBody>
         </p:sp>
@@ -7743,6 +7859,7 @@
                 </a:spcAft>
                 <a:buNone/>
               </a:pPr>
+              <a:endParaRPr/>
             </a:p>
           </p:txBody>
         </p:sp>
@@ -7786,6 +7903,7 @@
                 </a:spcAft>
                 <a:buNone/>
               </a:pPr>
+              <a:endParaRPr/>
             </a:p>
           </p:txBody>
         </p:sp>
@@ -7829,6 +7947,7 @@
                 </a:spcAft>
                 <a:buNone/>
               </a:pPr>
+              <a:endParaRPr/>
             </a:p>
           </p:txBody>
         </p:sp>
@@ -7957,7 +8076,9 @@
               <a:defRPr/>
             </a:lvl9pPr>
           </a:lstStyle>
-          <a:p/>
+          <a:p>
+            <a:endParaRPr/>
+          </a:p>
         </p:txBody>
       </p:sp>
       <p:sp>
@@ -8033,6 +8154,7 @@
             </a:pPr>
             <a:fld id="{00000000-1234-1234-1234-123412341234}" type="slidenum">
               <a:rPr lang="en-US"/>
+              <a:t>‹#›</a:t>
             </a:fld>
             <a:endParaRPr lang="en-US"/>
           </a:p>
@@ -8116,6 +8238,7 @@
                 </a:spcAft>
                 <a:buNone/>
               </a:pPr>
+              <a:endParaRPr/>
             </a:p>
           </p:txBody>
         </p:sp>
@@ -8157,6 +8280,7 @@
                 </a:spcAft>
                 <a:buNone/>
               </a:pPr>
+              <a:endParaRPr/>
             </a:p>
           </p:txBody>
         </p:sp>
@@ -8285,7 +8409,9 @@
               <a:defRPr sz="2400"/>
             </a:lvl9pPr>
           </a:lstStyle>
-          <a:p/>
+          <a:p>
+            <a:endParaRPr/>
+          </a:p>
         </p:txBody>
       </p:sp>
       <p:sp>
@@ -8439,7 +8565,9 @@
               <a:defRPr sz="1300"/>
             </a:lvl9pPr>
           </a:lstStyle>
-          <a:p/>
+          <a:p>
+            <a:endParaRPr/>
+          </a:p>
         </p:txBody>
       </p:sp>
       <p:sp>
@@ -8566,7 +8694,9 @@
               <a:defRPr/>
             </a:lvl9pPr>
           </a:lstStyle>
-          <a:p/>
+          <a:p>
+            <a:endParaRPr/>
+          </a:p>
         </p:txBody>
       </p:sp>
       <p:sp>
@@ -8642,6 +8772,7 @@
             </a:pPr>
             <a:fld id="{00000000-1234-1234-1234-123412341234}" type="slidenum">
               <a:rPr lang="en-US"/>
+              <a:t>‹#›</a:t>
             </a:fld>
             <a:endParaRPr lang="en-US"/>
           </a:p>
@@ -8727,6 +8858,7 @@
                 </a:spcAft>
                 <a:buNone/>
               </a:pPr>
+              <a:endParaRPr/>
             </a:p>
           </p:txBody>
         </p:sp>
@@ -8770,6 +8902,7 @@
                 </a:spcAft>
                 <a:buNone/>
               </a:pPr>
+              <a:endParaRPr/>
             </a:p>
           </p:txBody>
         </p:sp>
@@ -8813,7 +8946,9 @@
               <a:defRPr/>
             </a:lvl1pPr>
           </a:lstStyle>
-          <a:p/>
+          <a:p>
+            <a:endParaRPr/>
+          </a:p>
         </p:txBody>
       </p:sp>
       <p:sp>
@@ -8889,6 +9024,7 @@
             </a:pPr>
             <a:fld id="{00000000-1234-1234-1234-123412341234}" type="slidenum">
               <a:rPr lang="en-US"/>
+              <a:t>‹#›</a:t>
             </a:fld>
             <a:endParaRPr lang="en-US"/>
           </a:p>
@@ -9164,7 +9300,9 @@
               </a:defRPr>
             </a:lvl9pPr>
           </a:lstStyle>
-          <a:p/>
+          <a:p>
+            <a:endParaRPr/>
+          </a:p>
         </p:txBody>
       </p:sp>
       <p:sp>
@@ -9430,7 +9568,9 @@
               </a:defRPr>
             </a:lvl9pPr>
           </a:lstStyle>
-          <a:p/>
+          <a:p>
+            <a:endParaRPr/>
+          </a:p>
         </p:txBody>
       </p:sp>
       <p:sp>
@@ -9582,6 +9722,7 @@
             </a:pPr>
             <a:fld id="{00000000-1234-1234-1234-123412341234}" type="slidenum">
               <a:rPr lang="en-US"/>
+              <a:t>‹#›</a:t>
             </a:fld>
             <a:endParaRPr lang="en-US"/>
           </a:p>
@@ -10366,12 +10507,6 @@
               </a:rPr>
               <a:t>BU Events Planner</a:t>
             </a:r>
-            <a:endParaRPr lang="en-US" sz="4400" b="1">
-              <a:latin typeface="Calibri"/>
-              <a:ea typeface="Calibri"/>
-              <a:cs typeface="Calibri"/>
-              <a:sym typeface="Calibri"/>
-            </a:endParaRPr>
           </a:p>
         </p:txBody>
       </p:sp>
@@ -10451,6 +10586,7 @@
             </a:pPr>
             <a:fld id="{00000000-1234-1234-1234-123412341234}" type="slidenum">
               <a:rPr lang="en-US"/>
+              <a:t>1</a:t>
             </a:fld>
             <a:endParaRPr lang="en-US"/>
           </a:p>
@@ -10533,12 +10669,6 @@
               </a:rPr>
               <a:t>App Purpose</a:t>
             </a:r>
-            <a:endParaRPr lang="en-US" sz="4400" b="1">
-              <a:latin typeface="Calibri"/>
-              <a:ea typeface="Calibri"/>
-              <a:cs typeface="Calibri"/>
-              <a:sym typeface="Calibri"/>
-            </a:endParaRPr>
           </a:p>
         </p:txBody>
       </p:sp>
@@ -10615,12 +10745,6 @@
               </a:rPr>
               <a:t>This app is designed for Boston University students to easily browse and register for various campus events. </a:t>
             </a:r>
-            <a:endParaRPr lang="en-US" sz="2800">
-              <a:latin typeface="Calibri"/>
-              <a:ea typeface="Calibri"/>
-              <a:cs typeface="Calibri"/>
-              <a:sym typeface="Calibri"/>
-            </a:endParaRPr>
           </a:p>
           <a:p>
             <a:pPr marL="0" lvl="0" indent="0" algn="l" rtl="0">
@@ -10648,12 +10772,6 @@
               </a:rPr>
               <a:t>The app aims to help students stay informed about campus happenings, providing an accessible way to enhance their university experience by participating in events.</a:t>
             </a:r>
-            <a:endParaRPr lang="en-US" sz="2800">
-              <a:latin typeface="Calibri"/>
-              <a:ea typeface="Calibri"/>
-              <a:cs typeface="Calibri"/>
-              <a:sym typeface="Calibri"/>
-            </a:endParaRPr>
           </a:p>
         </p:txBody>
       </p:sp>
@@ -10683,6 +10801,7 @@
             </a:pPr>
             <a:fld id="{00000000-1234-1234-1234-123412341234}" type="slidenum">
               <a:rPr lang="en-US"/>
+              <a:t>2</a:t>
             </a:fld>
             <a:endParaRPr lang="en-US"/>
           </a:p>
@@ -10808,6 +10927,118 @@
         </p:nvSpPr>
         <p:spPr>
           <a:xfrm>
+            <a:off x="608330" y="2613978"/>
+            <a:ext cx="8229600" cy="1143000"/>
+          </a:xfrm>
+          <a:prstGeom prst="rect">
+            <a:avLst/>
+          </a:prstGeom>
+          <a:noFill/>
+          <a:ln>
+            <a:noFill/>
+          </a:ln>
+        </p:spPr>
+        <p:txBody>
+          <a:bodyPr spcFirstLastPara="1" wrap="square" lIns="91425" tIns="45700" rIns="91425" bIns="45700" anchor="ctr" anchorCtr="0">
+            <a:normAutofit/>
+          </a:bodyPr>
+          <a:lstStyle/>
+          <a:p>
+            <a:pPr marL="0" lvl="0" indent="0" algn="ctr" rtl="0">
+              <a:spcBef>
+                <a:spcPts val="0"/>
+              </a:spcBef>
+              <a:spcAft>
+                <a:spcPts val="0"/>
+              </a:spcAft>
+              <a:buClr>
+                <a:schemeClr val="dk1"/>
+              </a:buClr>
+              <a:buSzPct val="100000"/>
+              <a:buFont typeface="Calibri"/>
+              <a:buNone/>
+            </a:pPr>
+            <a:r>
+              <a:rPr lang="en-US" altLang="zh-CN" sz="5400" b="1" dirty="0">
+                <a:latin typeface="Calibri"/>
+                <a:ea typeface="Calibri"/>
+                <a:cs typeface="Calibri"/>
+                <a:sym typeface="Calibri"/>
+              </a:rPr>
+              <a:t>Demo Showcase</a:t>
+            </a:r>
+          </a:p>
+        </p:txBody>
+      </p:sp>
+      <p:sp>
+        <p:nvSpPr>
+          <p:cNvPr id="2" name="Slide Number Placeholder 1"/>
+          <p:cNvSpPr>
+            <a:spLocks noGrp="1"/>
+          </p:cNvSpPr>
+          <p:nvPr>
+            <p:ph type="sldNum" idx="12"/>
+          </p:nvPr>
+        </p:nvSpPr>
+        <p:spPr/>
+        <p:txBody>
+          <a:bodyPr/>
+          <a:lstStyle/>
+          <a:p>
+            <a:pPr marL="0" lvl="0" indent="0" algn="r" rtl="0">
+              <a:spcBef>
+                <a:spcPts val="0"/>
+              </a:spcBef>
+              <a:spcAft>
+                <a:spcPts val="0"/>
+              </a:spcAft>
+              <a:buNone/>
+            </a:pPr>
+            <a:fld id="{00000000-1234-1234-1234-123412341234}" type="slidenum">
+              <a:rPr lang="en-US"/>
+              <a:t>3</a:t>
+            </a:fld>
+            <a:endParaRPr lang="en-US"/>
+          </a:p>
+        </p:txBody>
+      </p:sp>
+    </p:spTree>
+  </p:cSld>
+  <p:clrMapOvr>
+    <a:masterClrMapping/>
+  </p:clrMapOvr>
+</p:sld>
+</file>
+
+<file path=ppt/slides/slide4.xml><?xml version="1.0" encoding="utf-8"?>
+<p:sld xmlns:a="http://schemas.openxmlformats.org/drawingml/2006/main" xmlns:r="http://schemas.openxmlformats.org/officeDocument/2006/relationships" xmlns:p="http://schemas.openxmlformats.org/presentationml/2006/main">
+  <p:cSld>
+    <p:spTree>
+      <p:nvGrpSpPr>
+        <p:cNvPr id="1" name="Shape 157"/>
+        <p:cNvGrpSpPr/>
+        <p:nvPr/>
+      </p:nvGrpSpPr>
+      <p:grpSpPr>
+        <a:xfrm>
+          <a:off x="0" y="0"/>
+          <a:ext cx="0" cy="0"/>
+          <a:chOff x="0" y="0"/>
+          <a:chExt cx="0" cy="0"/>
+        </a:xfrm>
+      </p:grpSpPr>
+      <p:sp>
+        <p:nvSpPr>
+          <p:cNvPr id="158" name="Google Shape;158;p17"/>
+          <p:cNvSpPr txBox="1">
+            <a:spLocks noGrp="1"/>
+          </p:cNvSpPr>
+          <p:nvPr>
+            <p:ph type="title"/>
+          </p:nvPr>
+        </p:nvSpPr>
+        <p:spPr>
+          <a:xfrm>
             <a:off x="457200" y="274638"/>
             <a:ext cx="8229600" cy="1143000"/>
           </a:xfrm>
@@ -10848,12 +11079,6 @@
               </a:rPr>
               <a:t>APIs</a:t>
             </a:r>
-            <a:endParaRPr lang="en-US" sz="4400" b="1">
-              <a:latin typeface="Calibri"/>
-              <a:ea typeface="Calibri"/>
-              <a:cs typeface="Calibri"/>
-              <a:sym typeface="Calibri"/>
-            </a:endParaRPr>
           </a:p>
         </p:txBody>
       </p:sp>
@@ -10902,7 +11127,7 @@
               <a:buSzPts val="3200"/>
               <a:buNone/>
             </a:pPr>
-            <a:endParaRPr sz="1000" dirty="0"/>
+            <a:endParaRPr sz="1800" dirty="0"/>
           </a:p>
           <a:p>
             <a:pPr marL="0" lvl="0" indent="0" algn="l" rtl="0">
@@ -10923,7 +11148,7 @@
               <a:buNone/>
             </a:pPr>
             <a:r>
-              <a:rPr lang="en-US" sz="2400" dirty="0">
+              <a:rPr lang="en-US" sz="1800" dirty="0">
                 <a:latin typeface="Calibri"/>
                 <a:ea typeface="Calibri"/>
                 <a:cs typeface="Calibri"/>
@@ -10931,12 +11156,6 @@
               </a:rPr>
               <a:t>Completed:</a:t>
             </a:r>
-            <a:endParaRPr lang="en-US" sz="2400" dirty="0">
-              <a:latin typeface="Calibri"/>
-              <a:ea typeface="Calibri"/>
-              <a:cs typeface="Calibri"/>
-              <a:sym typeface="Calibri"/>
-            </a:endParaRPr>
           </a:p>
           <a:p>
             <a:pPr lvl="0" indent="-457200" algn="l" rtl="0">
@@ -10957,29 +11176,14 @@
               <a:buChar char="•"/>
             </a:pPr>
             <a:r>
-              <a:rPr lang="en-US" sz="2400" dirty="0">
+              <a:rPr lang="en-US" sz="1800" dirty="0">
                 <a:latin typeface="Calibri"/>
                 <a:ea typeface="Calibri"/>
                 <a:cs typeface="Calibri"/>
                 <a:sym typeface="Calibri"/>
               </a:rPr>
-              <a:t>Firebase </a:t>
+              <a:t>Firebase APIs</a:t>
             </a:r>
-            <a:r>
-              <a:rPr lang="en-US" sz="2400" dirty="0" err="1">
-                <a:latin typeface="Calibri"/>
-                <a:ea typeface="Calibri"/>
-                <a:cs typeface="Calibri"/>
-                <a:sym typeface="Calibri"/>
-              </a:rPr>
-              <a:t>Realtime Database</a:t>
-            </a:r>
-            <a:endParaRPr lang="en-US" sz="2400" dirty="0" err="1">
-              <a:latin typeface="Calibri"/>
-              <a:ea typeface="Calibri"/>
-              <a:cs typeface="Calibri"/>
-              <a:sym typeface="Calibri"/>
-            </a:endParaRPr>
           </a:p>
           <a:p>
             <a:pPr lvl="0" indent="-457200" algn="l" rtl="0">
@@ -11000,23 +11204,17 @@
               <a:buChar char="•"/>
             </a:pPr>
             <a:r>
-              <a:rPr lang="en-US" sz="2400" dirty="0">
+              <a:rPr lang="en-US" sz="1800" dirty="0">
                 <a:latin typeface="Calibri"/>
                 <a:ea typeface="Calibri"/>
                 <a:cs typeface="Calibri"/>
                 <a:sym typeface="Calibri"/>
               </a:rPr>
-              <a:t>Firebase Authentication</a:t>
+              <a:t>Jetpack Compose APIs</a:t>
             </a:r>
-            <a:endParaRPr lang="en-US" sz="2400" dirty="0">
-              <a:latin typeface="Calibri"/>
-              <a:ea typeface="Calibri"/>
-              <a:cs typeface="Calibri"/>
-              <a:sym typeface="Calibri"/>
-            </a:endParaRPr>
           </a:p>
           <a:p>
-            <a:pPr lvl="0" indent="-457200">
+            <a:pPr indent="-457200">
               <a:lnSpc>
                 <a:spcPct val="150000"/>
               </a:lnSpc>
@@ -11031,10 +11229,17 @@
               <a:buChar char="•"/>
             </a:pPr>
             <a:r>
-              <a:rPr lang="en-US" sz="2400" dirty="0"/>
-              <a:t>Firebase Storage</a:t>
+              <a:rPr lang="en-US" sz="1800" dirty="0"/>
+              <a:t>Android APIs :</a:t>
             </a:r>
-            <a:endParaRPr lang="en-US" sz="2400" dirty="0"/>
+            <a:r>
+              <a:rPr lang="en-US" sz="1800" dirty="0" err="1"/>
+              <a:t>ActivityResultContracts.GetContent</a:t>
+            </a:r>
+            <a:r>
+              <a:rPr lang="en-US" sz="1800" dirty="0"/>
+              <a:t>, Uri</a:t>
+            </a:r>
           </a:p>
           <a:p>
             <a:pPr lvl="0" indent="-457200">
@@ -11052,10 +11257,14 @@
               <a:buChar char="•"/>
             </a:pPr>
             <a:r>
-              <a:rPr lang="en-US" sz="2400" dirty="0"/>
-              <a:t>ActivityResultContracts.GetContent</a:t>
+              <a:rPr lang="en-US" sz="1800" dirty="0"/>
+              <a:t>Coil : load images from </a:t>
             </a:r>
-            <a:endParaRPr lang="en-US" sz="2400" dirty="0"/>
+            <a:r>
+              <a:rPr lang="en-US" sz="1800" dirty="0" err="1"/>
+              <a:t>url</a:t>
+            </a:r>
+            <a:endParaRPr lang="en-US" sz="1800" dirty="0"/>
           </a:p>
           <a:p>
             <a:pPr lvl="0" indent="-457200">
@@ -11073,53 +11282,19 @@
               <a:buChar char="•"/>
             </a:pPr>
             <a:r>
-              <a:rPr lang="en-US" sz="2400" dirty="0"/>
-              <a:t>Google Sign-In</a:t>
+              <a:rPr lang="en-US" sz="1800" dirty="0" err="1"/>
+              <a:t>HorizontalPager</a:t>
             </a:r>
-            <a:endParaRPr lang="en-US" sz="2400" dirty="0"/>
+            <a:endParaRPr lang="en-US" sz="1800" dirty="0"/>
           </a:p>
           <a:p>
-            <a:pPr marL="0" lvl="0" indent="0">
+            <a:pPr lvl="0" indent="-457200">
               <a:lnSpc>
                 <a:spcPct val="150000"/>
               </a:lnSpc>
               <a:spcBef>
                 <a:spcPts val="640"/>
               </a:spcBef>
-              <a:buClr>
-                <a:schemeClr val="lt1"/>
-              </a:buClr>
-              <a:buSzPts val="3200"/>
-              <a:buFont typeface="Arial" panose="020B0604020202090204" pitchFamily="34" charset="0"/>
-              <a:buNone/>
-            </a:pPr>
-            <a:r>
-              <a:rPr lang="en-US" sz="2400" dirty="0">
-                <a:latin typeface="Calibri"/>
-                <a:ea typeface="Calibri"/>
-                <a:cs typeface="Calibri"/>
-                <a:sym typeface="Calibri"/>
-              </a:rPr>
-              <a:t>Not Completed:</a:t>
-            </a:r>
-            <a:endParaRPr lang="en-US" sz="2400" dirty="0">
-              <a:latin typeface="Calibri"/>
-              <a:ea typeface="Calibri"/>
-              <a:cs typeface="Calibri"/>
-              <a:sym typeface="Calibri"/>
-            </a:endParaRPr>
-          </a:p>
-          <a:p>
-            <a:pPr lvl="0" indent="-457200" algn="l" rtl="0">
-              <a:lnSpc>
-                <a:spcPct val="150000"/>
-              </a:lnSpc>
-              <a:spcBef>
-                <a:spcPts val="640"/>
-              </a:spcBef>
-              <a:spcAft>
-                <a:spcPts val="0"/>
-              </a:spcAft>
               <a:buClr>
                 <a:schemeClr val="lt1"/>
               </a:buClr>
@@ -11128,19 +11303,46 @@
               <a:buChar char="•"/>
             </a:pPr>
             <a:r>
-              <a:rPr lang="en-US" sz="2400" dirty="0"/>
-              <a:t>Google Map</a:t>
+              <a:rPr lang="en-US" sz="1800" dirty="0"/>
+              <a:t>Google Sign-In</a:t>
             </a:r>
-            <a:endParaRPr lang="en-US" sz="2400" dirty="0"/>
           </a:p>
           <a:p>
-            <a:pPr lvl="0" indent="-457200">
+            <a:pPr marL="0" lvl="0" indent="0">
               <a:lnSpc>
                 <a:spcPct val="150000"/>
               </a:lnSpc>
               <a:spcBef>
                 <a:spcPts val="640"/>
               </a:spcBef>
+              <a:buClr>
+                <a:schemeClr val="lt1"/>
+              </a:buClr>
+              <a:buSzPts val="3200"/>
+              <a:buFont typeface="Arial" panose="020B0604020202090204" pitchFamily="34" charset="0"/>
+              <a:buNone/>
+            </a:pPr>
+            <a:r>
+              <a:rPr lang="en-US" sz="1800" dirty="0">
+                <a:latin typeface="Calibri"/>
+                <a:ea typeface="Calibri"/>
+                <a:cs typeface="Calibri"/>
+                <a:sym typeface="Calibri"/>
+              </a:rPr>
+              <a:t>Not Completed:</a:t>
+            </a:r>
+          </a:p>
+          <a:p>
+            <a:pPr lvl="0" indent="-457200" algn="l" rtl="0">
+              <a:lnSpc>
+                <a:spcPct val="150000"/>
+              </a:lnSpc>
+              <a:spcBef>
+                <a:spcPts val="640"/>
+              </a:spcBef>
+              <a:spcAft>
+                <a:spcPts val="0"/>
+              </a:spcAft>
               <a:buClr>
                 <a:schemeClr val="lt1"/>
               </a:buClr>
@@ -11148,7 +11350,27 @@
               <a:buFont typeface="Arial" panose="020B0604020202090204" pitchFamily="34" charset="0"/>
               <a:buChar char="•"/>
             </a:pPr>
-            <a:endParaRPr lang="en-US" sz="2400" dirty="0">
+            <a:r>
+              <a:rPr lang="en-US" sz="1800" dirty="0"/>
+              <a:t>Google Map</a:t>
+            </a:r>
+          </a:p>
+          <a:p>
+            <a:pPr lvl="0" indent="-457200">
+              <a:lnSpc>
+                <a:spcPct val="150000"/>
+              </a:lnSpc>
+              <a:spcBef>
+                <a:spcPts val="640"/>
+              </a:spcBef>
+              <a:buClr>
+                <a:schemeClr val="lt1"/>
+              </a:buClr>
+              <a:buSzPts val="3200"/>
+              <a:buFont typeface="Arial" panose="020B0604020202090204" pitchFamily="34" charset="0"/>
+              <a:buChar char="•"/>
+            </a:pPr>
+            <a:endParaRPr lang="en-US" sz="1800" dirty="0">
               <a:latin typeface="Calibri"/>
               <a:ea typeface="Calibri"/>
               <a:cs typeface="Calibri"/>
@@ -11183,6 +11405,7 @@
             </a:pPr>
             <a:fld id="{00000000-1234-1234-1234-123412341234}" type="slidenum">
               <a:rPr lang="en-US"/>
+              <a:t>4</a:t>
             </a:fld>
             <a:endParaRPr lang="en-US"/>
           </a:p>
@@ -11279,7 +11502,7 @@
 </p:sld>
 </file>
 
-<file path=ppt/slides/slide4.xml><?xml version="1.0" encoding="utf-8"?>
+<file path=ppt/slides/slide5.xml><?xml version="1.0" encoding="utf-8"?>
 <p:sld xmlns:a="http://schemas.openxmlformats.org/drawingml/2006/main" xmlns:r="http://schemas.openxmlformats.org/officeDocument/2006/relationships" xmlns:p="http://schemas.openxmlformats.org/presentationml/2006/main">
   <p:cSld>
     <p:spTree>
@@ -11346,7 +11569,25 @@
                 <a:cs typeface="Calibri"/>
                 <a:sym typeface="Calibri"/>
               </a:rPr>
-              <a:t>Device sensor</a:t>
+              <a:t>Device sensor To</a:t>
+            </a:r>
+            <a:r>
+              <a:rPr lang="zh-CN" altLang="en-US" sz="4400" b="1" dirty="0">
+                <a:latin typeface="Calibri"/>
+                <a:ea typeface="Calibri"/>
+                <a:cs typeface="Calibri"/>
+                <a:sym typeface="Calibri"/>
+              </a:rPr>
+              <a:t> </a:t>
+            </a:r>
+            <a:r>
+              <a:rPr lang="en-US" altLang="zh-CN" sz="4400" b="1" dirty="0">
+                <a:latin typeface="Calibri"/>
+                <a:ea typeface="Calibri"/>
+                <a:cs typeface="Calibri"/>
+                <a:sym typeface="Calibri"/>
+              </a:rPr>
+              <a:t>Do</a:t>
             </a:r>
             <a:endParaRPr lang="en-US" sz="4400" b="1" dirty="0">
               <a:latin typeface="Calibri"/>
@@ -11383,6 +11624,7 @@
             </a:pPr>
             <a:fld id="{00000000-1234-1234-1234-123412341234}" type="slidenum">
               <a:rPr lang="en-US"/>
+              <a:t>5</a:t>
             </a:fld>
             <a:endParaRPr lang="en-US"/>
           </a:p>
@@ -11474,16 +11716,6 @@
               </a:rPr>
               <a:t>GPS </a:t>
             </a:r>
-            <a:endParaRPr kumimoji="0" lang="en-US" altLang="en-US" sz="2800" b="1" i="0" u="none" strike="noStrike" cap="none" normalizeH="0" baseline="0" dirty="0">
-              <a:ln>
-                <a:noFill/>
-              </a:ln>
-              <a:solidFill>
-                <a:schemeClr val="bg1"/>
-              </a:solidFill>
-              <a:effectLst/>
-              <a:latin typeface="Arial" panose="020B0604020202090204" pitchFamily="34" charset="0"/>
-            </a:endParaRPr>
           </a:p>
           <a:p>
             <a:pPr marL="0" marR="0" lvl="0" indent="0" algn="l" defTabSz="914400" rtl="0" eaLnBrk="0" fontAlgn="base" latinLnBrk="0" hangingPunct="0">
@@ -11577,16 +11809,6 @@
               </a:rPr>
               <a:t> </a:t>
             </a:r>
-            <a:endParaRPr kumimoji="0" lang="en-US" altLang="en-US" sz="2800" b="0" i="0" u="none" strike="noStrike" cap="none" normalizeH="0" baseline="0" dirty="0">
-              <a:ln>
-                <a:noFill/>
-              </a:ln>
-              <a:solidFill>
-                <a:schemeClr val="bg1"/>
-              </a:solidFill>
-              <a:effectLst/>
-              <a:latin typeface="Arial" panose="020B0604020202090204" pitchFamily="34" charset="0"/>
-            </a:endParaRPr>
           </a:p>
         </p:txBody>
       </p:sp>
@@ -11598,7 +11820,7 @@
 </p:sld>
 </file>
 
-<file path=ppt/slides/slide5.xml><?xml version="1.0" encoding="utf-8"?>
+<file path=ppt/slides/slide6.xml><?xml version="1.0" encoding="utf-8"?>
 <p:sld xmlns:a="http://schemas.openxmlformats.org/drawingml/2006/main" xmlns:r="http://schemas.openxmlformats.org/officeDocument/2006/relationships" xmlns:p="http://schemas.openxmlformats.org/presentationml/2006/main">
   <p:cSld>
     <p:spTree>
@@ -11667,12 +11889,6 @@
               </a:rPr>
               <a:t>Database schema</a:t>
             </a:r>
-            <a:endParaRPr lang="en-US" sz="4400" b="1" dirty="0">
-              <a:latin typeface="Calibri"/>
-              <a:ea typeface="Calibri"/>
-              <a:cs typeface="Calibri"/>
-              <a:sym typeface="Calibri"/>
-            </a:endParaRPr>
           </a:p>
         </p:txBody>
       </p:sp>
@@ -11727,12 +11943,6 @@
               </a:rPr>
               <a:t>data class Event(</a:t>
             </a:r>
-            <a:endParaRPr lang="en-US" sz="1400" dirty="0" err="1">
-              <a:latin typeface="Calibri"/>
-              <a:ea typeface="Calibri"/>
-              <a:cs typeface="Calibri"/>
-              <a:sym typeface="Calibri"/>
-            </a:endParaRPr>
           </a:p>
           <a:p>
             <a:pPr marL="0" lvl="0" indent="0">
@@ -11757,12 +11967,6 @@
               </a:rPr>
               <a:t>    val id: String = "",</a:t>
             </a:r>
-            <a:endParaRPr lang="en-US" sz="1400" dirty="0" err="1">
-              <a:latin typeface="Calibri"/>
-              <a:ea typeface="Calibri"/>
-              <a:cs typeface="Calibri"/>
-              <a:sym typeface="Calibri"/>
-            </a:endParaRPr>
           </a:p>
           <a:p>
             <a:pPr marL="0" lvl="0" indent="0">
@@ -11787,12 +11991,6 @@
               </a:rPr>
               <a:t>    val title: String = "",</a:t>
             </a:r>
-            <a:endParaRPr lang="en-US" sz="1400" dirty="0" err="1">
-              <a:latin typeface="Calibri"/>
-              <a:ea typeface="Calibri"/>
-              <a:cs typeface="Calibri"/>
-              <a:sym typeface="Calibri"/>
-            </a:endParaRPr>
           </a:p>
           <a:p>
             <a:pPr marL="0" lvl="0" indent="0">
@@ -11817,12 +12015,6 @@
               </a:rPr>
               <a:t>    val description: String = "",</a:t>
             </a:r>
-            <a:endParaRPr lang="en-US" sz="1400" dirty="0" err="1">
-              <a:latin typeface="Calibri"/>
-              <a:ea typeface="Calibri"/>
-              <a:cs typeface="Calibri"/>
-              <a:sym typeface="Calibri"/>
-            </a:endParaRPr>
           </a:p>
           <a:p>
             <a:pPr marL="0" lvl="0" indent="0">
@@ -11847,12 +12039,6 @@
               </a:rPr>
               <a:t>    val eventUrl: String = "",</a:t>
             </a:r>
-            <a:endParaRPr lang="en-US" sz="1400" dirty="0" err="1">
-              <a:latin typeface="Calibri"/>
-              <a:ea typeface="Calibri"/>
-              <a:cs typeface="Calibri"/>
-              <a:sym typeface="Calibri"/>
-            </a:endParaRPr>
           </a:p>
           <a:p>
             <a:pPr marL="0" lvl="0" indent="0">
@@ -11877,12 +12063,6 @@
               </a:rPr>
               <a:t>    val photo: String = "",</a:t>
             </a:r>
-            <a:endParaRPr lang="en-US" sz="1400" dirty="0" err="1">
-              <a:latin typeface="Calibri"/>
-              <a:ea typeface="Calibri"/>
-              <a:cs typeface="Calibri"/>
-              <a:sym typeface="Calibri"/>
-            </a:endParaRPr>
           </a:p>
           <a:p>
             <a:pPr marL="0" lvl="0" indent="0">
@@ -11907,12 +12087,6 @@
               </a:rPr>
               <a:t>    val location: String = "",</a:t>
             </a:r>
-            <a:endParaRPr lang="en-US" sz="1400" dirty="0" err="1">
-              <a:latin typeface="Calibri"/>
-              <a:ea typeface="Calibri"/>
-              <a:cs typeface="Calibri"/>
-              <a:sym typeface="Calibri"/>
-            </a:endParaRPr>
           </a:p>
           <a:p>
             <a:pPr marL="0" lvl="0" indent="0">
@@ -11937,12 +12111,6 @@
               </a:rPr>
               <a:t>    val startTime: String = "",</a:t>
             </a:r>
-            <a:endParaRPr lang="en-US" sz="1400" dirty="0" err="1">
-              <a:latin typeface="Calibri"/>
-              <a:ea typeface="Calibri"/>
-              <a:cs typeface="Calibri"/>
-              <a:sym typeface="Calibri"/>
-            </a:endParaRPr>
           </a:p>
           <a:p>
             <a:pPr marL="0" lvl="0" indent="0">
@@ -11967,12 +12135,6 @@
               </a:rPr>
               <a:t>    val endTime: String = "",</a:t>
             </a:r>
-            <a:endParaRPr lang="en-US" sz="1400" dirty="0" err="1">
-              <a:latin typeface="Calibri"/>
-              <a:ea typeface="Calibri"/>
-              <a:cs typeface="Calibri"/>
-              <a:sym typeface="Calibri"/>
-            </a:endParaRPr>
           </a:p>
           <a:p>
             <a:pPr marL="0" lvl="0" indent="0">
@@ -11997,12 +12159,6 @@
               </a:rPr>
               <a:t>    val savedUsers: List&lt;String&gt; = emptyList()</a:t>
             </a:r>
-            <a:endParaRPr lang="en-US" sz="1400" dirty="0" err="1">
-              <a:latin typeface="Calibri"/>
-              <a:ea typeface="Calibri"/>
-              <a:cs typeface="Calibri"/>
-              <a:sym typeface="Calibri"/>
-            </a:endParaRPr>
           </a:p>
           <a:p>
             <a:pPr marL="0" lvl="0" indent="0">
@@ -12027,12 +12183,6 @@
               </a:rPr>
               <a:t>)</a:t>
             </a:r>
-            <a:endParaRPr lang="en-US" sz="1400" dirty="0" err="1">
-              <a:latin typeface="Calibri"/>
-              <a:ea typeface="Calibri"/>
-              <a:cs typeface="Calibri"/>
-              <a:sym typeface="Calibri"/>
-            </a:endParaRPr>
           </a:p>
         </p:txBody>
       </p:sp>
@@ -12062,6 +12212,7 @@
             </a:pPr>
             <a:fld id="{00000000-1234-1234-1234-123412341234}" type="slidenum">
               <a:rPr lang="en-US"/>
+              <a:t>6</a:t>
             </a:fld>
             <a:endParaRPr lang="en-US"/>
           </a:p>
@@ -12114,15 +12265,6 @@
               </a:rPr>
               <a:t>data class User(</a:t>
             </a:r>
-            <a:endParaRPr lang="en-US" dirty="0">
-              <a:solidFill>
-                <a:schemeClr val="lt1"/>
-              </a:solidFill>
-              <a:latin typeface="Calibri"/>
-              <a:ea typeface="Calibri"/>
-              <a:cs typeface="Calibri"/>
-              <a:sym typeface="Calibri"/>
-            </a:endParaRPr>
           </a:p>
           <a:p>
             <a:pPr marL="0" lvl="0" indent="0">
@@ -12150,15 +12292,6 @@
               </a:rPr>
               <a:t>    val firstName: String = "",</a:t>
             </a:r>
-            <a:endParaRPr lang="en-US" dirty="0">
-              <a:solidFill>
-                <a:schemeClr val="lt1"/>
-              </a:solidFill>
-              <a:latin typeface="Calibri"/>
-              <a:ea typeface="Calibri"/>
-              <a:cs typeface="Calibri"/>
-              <a:sym typeface="Calibri"/>
-            </a:endParaRPr>
           </a:p>
           <a:p>
             <a:pPr marL="0" lvl="0" indent="0">
@@ -12186,15 +12319,6 @@
               </a:rPr>
               <a:t>    val lastName: String = "",</a:t>
             </a:r>
-            <a:endParaRPr lang="en-US" dirty="0">
-              <a:solidFill>
-                <a:schemeClr val="lt1"/>
-              </a:solidFill>
-              <a:latin typeface="Calibri"/>
-              <a:ea typeface="Calibri"/>
-              <a:cs typeface="Calibri"/>
-              <a:sym typeface="Calibri"/>
-            </a:endParaRPr>
           </a:p>
           <a:p>
             <a:pPr marL="0" lvl="0" indent="0">
@@ -12222,15 +12346,6 @@
               </a:rPr>
               <a:t>    val password: String = "",</a:t>
             </a:r>
-            <a:endParaRPr lang="en-US" dirty="0">
-              <a:solidFill>
-                <a:schemeClr val="lt1"/>
-              </a:solidFill>
-              <a:latin typeface="Calibri"/>
-              <a:ea typeface="Calibri"/>
-              <a:cs typeface="Calibri"/>
-              <a:sym typeface="Calibri"/>
-            </a:endParaRPr>
           </a:p>
           <a:p>
             <a:pPr marL="0" lvl="0" indent="0">
@@ -12258,15 +12373,6 @@
               </a:rPr>
               <a:t>    val userEmail: String = "",</a:t>
             </a:r>
-            <a:endParaRPr lang="en-US" dirty="0">
-              <a:solidFill>
-                <a:schemeClr val="lt1"/>
-              </a:solidFill>
-              <a:latin typeface="Calibri"/>
-              <a:ea typeface="Calibri"/>
-              <a:cs typeface="Calibri"/>
-              <a:sym typeface="Calibri"/>
-            </a:endParaRPr>
           </a:p>
           <a:p>
             <a:pPr marL="0" lvl="0" indent="0">
@@ -12294,15 +12400,6 @@
               </a:rPr>
               <a:t>    val userImage: String = "",</a:t>
             </a:r>
-            <a:endParaRPr lang="en-US" dirty="0">
-              <a:solidFill>
-                <a:schemeClr val="lt1"/>
-              </a:solidFill>
-              <a:latin typeface="Calibri"/>
-              <a:ea typeface="Calibri"/>
-              <a:cs typeface="Calibri"/>
-              <a:sym typeface="Calibri"/>
-            </a:endParaRPr>
           </a:p>
           <a:p>
             <a:pPr marL="0" lvl="0" indent="0">
@@ -12330,15 +12427,6 @@
               </a:rPr>
               <a:t>    val userSavedEvents: List&lt;Event&gt; = emptyList()</a:t>
             </a:r>
-            <a:endParaRPr lang="en-US" dirty="0">
-              <a:solidFill>
-                <a:schemeClr val="lt1"/>
-              </a:solidFill>
-              <a:latin typeface="Calibri"/>
-              <a:ea typeface="Calibri"/>
-              <a:cs typeface="Calibri"/>
-              <a:sym typeface="Calibri"/>
-            </a:endParaRPr>
           </a:p>
           <a:p>
             <a:pPr marL="0" lvl="0" indent="0">
@@ -12366,15 +12454,6 @@
               </a:rPr>
               <a:t>)</a:t>
             </a:r>
-            <a:endParaRPr lang="en-US" dirty="0">
-              <a:solidFill>
-                <a:schemeClr val="lt1"/>
-              </a:solidFill>
-              <a:latin typeface="Calibri"/>
-              <a:ea typeface="Calibri"/>
-              <a:cs typeface="Calibri"/>
-              <a:sym typeface="Calibri"/>
-            </a:endParaRPr>
           </a:p>
         </p:txBody>
       </p:sp>
@@ -12508,7 +12587,7 @@
 </p:sld>
 </file>
 
-<file path=ppt/slides/slide6.xml><?xml version="1.0" encoding="utf-8"?>
+<file path=ppt/slides/slide7.xml><?xml version="1.0" encoding="utf-8"?>
 <p:sld xmlns:a="http://schemas.openxmlformats.org/drawingml/2006/main" xmlns:r="http://schemas.openxmlformats.org/officeDocument/2006/relationships" xmlns:p="http://schemas.openxmlformats.org/presentationml/2006/main">
   <p:cSld>
     <p:spTree>
@@ -12577,12 +12656,6 @@
               </a:rPr>
               <a:t>Additional Features</a:t>
             </a:r>
-            <a:endParaRPr lang="en-US" sz="4400" b="1" dirty="0">
-              <a:latin typeface="Calibri"/>
-              <a:ea typeface="Calibri"/>
-              <a:cs typeface="Calibri"/>
-              <a:sym typeface="Calibri"/>
-            </a:endParaRPr>
           </a:p>
         </p:txBody>
       </p:sp>
@@ -12636,9 +12709,8 @@
             </a:r>
             <a:r>
               <a:rPr lang="en-US" sz="2800" dirty="0"/>
-              <a:t>Location Services</a:t>
+              <a:t>File Upload and Media Handling – Completed</a:t>
             </a:r>
-            <a:endParaRPr lang="en-US" sz="2800" dirty="0"/>
           </a:p>
           <a:p>
             <a:pPr marL="0" lvl="0" indent="0">
@@ -12662,39 +12734,8 @@
             </a:r>
             <a:r>
               <a:rPr lang="en-US" sz="2800" dirty="0"/>
-              <a:t>Dark Mode</a:t>
+              <a:t>Location Services – To Do</a:t>
             </a:r>
-            <a:endParaRPr lang="en-US" sz="2800" dirty="0"/>
-          </a:p>
-          <a:p>
-            <a:pPr marL="0" lvl="0" indent="0">
-              <a:lnSpc>
-                <a:spcPct val="200000"/>
-              </a:lnSpc>
-              <a:spcBef>
-                <a:spcPts val="0"/>
-              </a:spcBef>
-              <a:buSzPts val="3200"/>
-              <a:buNone/>
-            </a:pPr>
-            <a:r>
-              <a:rPr lang="en-US" sz="2800" dirty="0">
-                <a:latin typeface="Calibri"/>
-                <a:ea typeface="Calibri"/>
-                <a:cs typeface="Calibri"/>
-                <a:sym typeface="Calibri"/>
-              </a:rPr>
-              <a:t>3. </a:t>
-            </a:r>
-            <a:r>
-              <a:rPr lang="en-US" sz="2800" dirty="0"/>
-              <a:t>File Upload and Media Handling -- </a:t>
-            </a:r>
-            <a:r>
-              <a:rPr lang="en-US" sz="2800" dirty="0"/>
-              <a:t>Completed</a:t>
-            </a:r>
-            <a:endParaRPr lang="en-US" sz="2800" dirty="0"/>
           </a:p>
         </p:txBody>
       </p:sp>
@@ -12724,6 +12765,7 @@
             </a:pPr>
             <a:fld id="{00000000-1234-1234-1234-123412341234}" type="slidenum">
               <a:rPr lang="en-US"/>
+              <a:t>7</a:t>
             </a:fld>
             <a:endParaRPr lang="en-US"/>
           </a:p>
@@ -12820,123 +12862,6 @@
 </p:sld>
 </file>
 
-<file path=ppt/slides/slide7.xml><?xml version="1.0" encoding="utf-8"?>
-<p:sld xmlns:a="http://schemas.openxmlformats.org/drawingml/2006/main" xmlns:r="http://schemas.openxmlformats.org/officeDocument/2006/relationships" xmlns:p="http://schemas.openxmlformats.org/presentationml/2006/main">
-  <p:cSld>
-    <p:spTree>
-      <p:nvGrpSpPr>
-        <p:cNvPr id="1" name="Shape 157"/>
-        <p:cNvGrpSpPr/>
-        <p:nvPr/>
-      </p:nvGrpSpPr>
-      <p:grpSpPr>
-        <a:xfrm>
-          <a:off x="0" y="0"/>
-          <a:ext cx="0" cy="0"/>
-          <a:chOff x="0" y="0"/>
-          <a:chExt cx="0" cy="0"/>
-        </a:xfrm>
-      </p:grpSpPr>
-      <p:sp>
-        <p:nvSpPr>
-          <p:cNvPr id="158" name="Google Shape;158;p17"/>
-          <p:cNvSpPr txBox="1">
-            <a:spLocks noGrp="1"/>
-          </p:cNvSpPr>
-          <p:nvPr>
-            <p:ph type="title"/>
-          </p:nvPr>
-        </p:nvSpPr>
-        <p:spPr>
-          <a:xfrm>
-            <a:off x="608330" y="2613978"/>
-            <a:ext cx="8229600" cy="1143000"/>
-          </a:xfrm>
-          <a:prstGeom prst="rect">
-            <a:avLst/>
-          </a:prstGeom>
-          <a:noFill/>
-          <a:ln>
-            <a:noFill/>
-          </a:ln>
-        </p:spPr>
-        <p:txBody>
-          <a:bodyPr spcFirstLastPara="1" wrap="square" lIns="91425" tIns="45700" rIns="91425" bIns="45700" anchor="ctr" anchorCtr="0">
-            <a:normAutofit/>
-          </a:bodyPr>
-          <a:lstStyle/>
-          <a:p>
-            <a:pPr marL="0" lvl="0" indent="0" algn="ctr" rtl="0">
-              <a:spcBef>
-                <a:spcPts val="0"/>
-              </a:spcBef>
-              <a:spcAft>
-                <a:spcPts val="0"/>
-              </a:spcAft>
-              <a:buClr>
-                <a:schemeClr val="dk1"/>
-              </a:buClr>
-              <a:buSzPct val="100000"/>
-              <a:buFont typeface="Calibri"/>
-              <a:buNone/>
-            </a:pPr>
-            <a:r>
-              <a:rPr lang="en-US" altLang="zh-CN" sz="5400" b="1" dirty="0">
-                <a:latin typeface="Calibri"/>
-                <a:ea typeface="Calibri"/>
-                <a:cs typeface="Calibri"/>
-                <a:sym typeface="Calibri"/>
-              </a:rPr>
-              <a:t>Demo Showcase</a:t>
-            </a:r>
-            <a:endParaRPr lang="en-US" altLang="zh-CN" sz="5400" b="1" dirty="0">
-              <a:latin typeface="Calibri"/>
-              <a:ea typeface="Calibri"/>
-              <a:cs typeface="Calibri"/>
-              <a:sym typeface="Calibri"/>
-            </a:endParaRPr>
-          </a:p>
-        </p:txBody>
-      </p:sp>
-      <p:sp>
-        <p:nvSpPr>
-          <p:cNvPr id="2" name="Slide Number Placeholder 1"/>
-          <p:cNvSpPr>
-            <a:spLocks noGrp="1"/>
-          </p:cNvSpPr>
-          <p:nvPr>
-            <p:ph type="sldNum" idx="12"/>
-          </p:nvPr>
-        </p:nvSpPr>
-        <p:spPr/>
-        <p:txBody>
-          <a:bodyPr/>
-          <a:lstStyle/>
-          <a:p>
-            <a:pPr marL="0" lvl="0" indent="0" algn="r" rtl="0">
-              <a:spcBef>
-                <a:spcPts val="0"/>
-              </a:spcBef>
-              <a:spcAft>
-                <a:spcPts val="0"/>
-              </a:spcAft>
-              <a:buNone/>
-            </a:pPr>
-            <a:fld id="{00000000-1234-1234-1234-123412341234}" type="slidenum">
-              <a:rPr lang="en-US"/>
-            </a:fld>
-            <a:endParaRPr lang="en-US"/>
-          </a:p>
-        </p:txBody>
-      </p:sp>
-    </p:spTree>
-  </p:cSld>
-  <p:clrMapOvr>
-    <a:masterClrMapping/>
-  </p:clrMapOvr>
-</p:sld>
-</file>
-
 <file path=ppt/slides/slide8.xml><?xml version="1.0" encoding="utf-8"?>
 <p:sld xmlns:a="http://schemas.openxmlformats.org/drawingml/2006/main" xmlns:r="http://schemas.openxmlformats.org/officeDocument/2006/relationships" xmlns:p="http://schemas.openxmlformats.org/presentationml/2006/main">
   <p:cSld>
@@ -13006,12 +12931,6 @@
               </a:rPr>
               <a:t>Accomplishments</a:t>
             </a:r>
-            <a:endParaRPr lang="en-US" sz="4400" b="1" dirty="0">
-              <a:latin typeface="Calibri"/>
-              <a:ea typeface="Calibri"/>
-              <a:cs typeface="Calibri"/>
-              <a:sym typeface="Calibri"/>
-            </a:endParaRPr>
           </a:p>
         </p:txBody>
       </p:sp>
@@ -13058,7 +12977,6 @@
               <a:rPr lang="en-US" sz="2800" dirty="0"/>
               <a:t>Zihan -&gt; onBoarding, Personal Profile</a:t>
             </a:r>
-            <a:endParaRPr lang="en-US" sz="2800" dirty="0"/>
           </a:p>
           <a:p>
             <a:pPr marL="0" lvl="0" indent="0">
@@ -13076,6 +12994,36 @@
                 <a:sym typeface="+mn-ea"/>
               </a:rPr>
               <a:t>Yuchen and Jialong -&gt; : Login, Register and Event</a:t>
+            </a:r>
+          </a:p>
+          <a:p>
+            <a:pPr marL="0" lvl="0" indent="0">
+              <a:lnSpc>
+                <a:spcPct val="200000"/>
+              </a:lnSpc>
+              <a:spcBef>
+                <a:spcPts val="0"/>
+              </a:spcBef>
+              <a:buSzPts val="3200"/>
+              <a:buNone/>
+            </a:pPr>
+            <a:r>
+              <a:rPr lang="en-US" sz="2800" dirty="0">
+                <a:sym typeface="+mn-ea"/>
+              </a:rPr>
+              <a:t>Together -&gt; : </a:t>
+            </a:r>
+            <a:r>
+              <a:rPr lang="en-US" sz="2800" dirty="0" err="1">
+                <a:sym typeface="+mn-ea"/>
+              </a:rPr>
+              <a:t>FirebaseService</a:t>
+            </a:r>
+            <a:r>
+              <a:rPr lang="en-US" sz="2800" dirty="0">
+                <a:sym typeface="+mn-ea"/>
+              </a:rPr>
+              <a:t> </a:t>
             </a:r>
             <a:endParaRPr lang="en-US" sz="2800" dirty="0"/>
           </a:p>
@@ -13120,6 +13068,7 @@
             </a:pPr>
             <a:fld id="{00000000-1234-1234-1234-123412341234}" type="slidenum">
               <a:rPr lang="en-US"/>
+              <a:t>8</a:t>
             </a:fld>
             <a:endParaRPr lang="en-US"/>
           </a:p>
@@ -13275,21 +13224,6 @@
               </a:rPr>
               <a:t>Thank You!</a:t>
             </a:r>
-            <a:endParaRPr b="1" i="0">
-              <a:ln w="9525" cap="flat" cmpd="sng">
-                <a:solidFill>
-                  <a:schemeClr val="dk2"/>
-                </a:solidFill>
-                <a:prstDash val="solid"/>
-                <a:round/>
-                <a:headEnd type="none" w="sm" len="sm"/>
-                <a:tailEnd type="none" w="sm" len="sm"/>
-              </a:ln>
-              <a:solidFill>
-                <a:srgbClr val="CFE2F3"/>
-              </a:solidFill>
-              <a:latin typeface="Times New Roman" panose="02020503050405090304"/>
-            </a:endParaRPr>
           </a:p>
         </p:txBody>
       </p:sp>
@@ -13319,6 +13253,7 @@
             </a:pPr>
             <a:fld id="{00000000-1234-1234-1234-123412341234}" type="slidenum">
               <a:rPr lang="en-US"/>
+              <a:t>9</a:t>
             </a:fld>
             <a:endParaRPr lang="en-US"/>
           </a:p>
@@ -13608,6 +13543,8 @@
       </a:bgFillStyleLst>
     </a:fmtScheme>
   </a:themeElements>
+  <a:objectDefaults/>
+  <a:extraClrSchemeLst/>
   <a:extLst>
     <a:ext uri="{05A4C25C-085E-4340-85A3-A5531E510DB2}">
       <thm15:themeFamily xmlns:thm15="http://schemas.microsoft.com/office/thememl/2012/main" name="Office Theme" id="{62F939B6-93AF-4DB8-9C6B-D6C7DFDC589F}" vid="{4A3C46E8-61CC-4603-A589-7422A47A8E4A}"/>
@@ -13892,6 +13829,8 @@
       </a:bgFillStyleLst>
     </a:fmtScheme>
   </a:themeElements>
+  <a:objectDefaults/>
+  <a:extraClrSchemeLst/>
   <a:extLst>
     <a:ext uri="{05A4C25C-085E-4340-85A3-A5531E510DB2}">
       <thm15:themeFamily xmlns:thm15="http://schemas.microsoft.com/office/thememl/2012/main" name="Office Theme" id="{62F939B6-93AF-4DB8-9C6B-D6C7DFDC589F}" vid="{4A3C46E8-61CC-4603-A589-7422A47A8E4A}"/>
